--- a/Vendor_Boards/Great_Cow_Basic_Demo_Board/16F17556_chiprange_demonstrations/tutorials/GCBASIC_Part12_GLCD_I2C_demos.pptx
+++ b/Vendor_Boards/Great_Cow_Basic_Demo_Board/16F17556_chiprange_demonstrations/tutorials/GCBASIC_Part12_GLCD_I2C_demos.pptx
@@ -14,13 +14,13 @@
     <p:sldId id="294" r:id="rId2"/>
     <p:sldId id="256" r:id="rId3"/>
     <p:sldId id="295" r:id="rId4"/>
-    <p:sldId id="283" r:id="rId5"/>
+    <p:sldId id="352" r:id="rId5"/>
     <p:sldId id="296" r:id="rId6"/>
     <p:sldId id="282" r:id="rId7"/>
     <p:sldId id="291" r:id="rId8"/>
     <p:sldId id="342" r:id="rId9"/>
-    <p:sldId id="348" r:id="rId10"/>
-    <p:sldId id="350" r:id="rId11"/>
+    <p:sldId id="353" r:id="rId10"/>
+    <p:sldId id="354" r:id="rId11"/>
     <p:sldId id="345" r:id="rId12"/>
     <p:sldId id="349" r:id="rId13"/>
     <p:sldId id="346" r:id="rId14"/>
@@ -213,7 +213,7 @@
             <a:fld id="{742E545A-AB39-44F0-B5A6-04A90C6C9399}" type="datetimeFigureOut">
               <a:rPr lang="en-GB" smtClean="0"/>
               <a:pPr/>
-              <a:t>02/12/2024</a:t>
+              <a:t>09/12/2025</a:t>
             </a:fld>
             <a:endParaRPr lang="en-GB" dirty="0"/>
           </a:p>
@@ -380,7 +380,7 @@
             <a:fld id="{FF100B3C-2E11-428B-8555-A77018253716}" type="datetimeFigureOut">
               <a:rPr lang="en-GB" smtClean="0"/>
               <a:pPr/>
-              <a:t>02/12/2024</a:t>
+              <a:t>09/12/2025</a:t>
             </a:fld>
             <a:endParaRPr lang="en-GB" dirty="0"/>
           </a:p>
@@ -1380,7 +1380,7 @@
             <a:fld id="{C473AACB-D821-4991-9D88-46EB8D29E619}" type="datetimeFigureOut">
               <a:rPr lang="en-GB" smtClean="0"/>
               <a:pPr/>
-              <a:t>02/12/2024</a:t>
+              <a:t>09/12/2025</a:t>
             </a:fld>
             <a:endParaRPr lang="en-GB" dirty="0"/>
           </a:p>
@@ -1674,7 +1674,7 @@
             <a:fld id="{C473AACB-D821-4991-9D88-46EB8D29E619}" type="datetimeFigureOut">
               <a:rPr lang="en-GB" smtClean="0"/>
               <a:pPr/>
-              <a:t>02/12/2024</a:t>
+              <a:t>09/12/2025</a:t>
             </a:fld>
             <a:endParaRPr lang="en-GB" dirty="0"/>
           </a:p>
@@ -1927,7 +1927,7 @@
             <a:fld id="{C473AACB-D821-4991-9D88-46EB8D29E619}" type="datetimeFigureOut">
               <a:rPr lang="en-GB" smtClean="0"/>
               <a:pPr/>
-              <a:t>02/12/2024</a:t>
+              <a:t>09/12/2025</a:t>
             </a:fld>
             <a:endParaRPr lang="en-GB" dirty="0"/>
           </a:p>
@@ -2272,7 +2272,7 @@
             <a:fld id="{C473AACB-D821-4991-9D88-46EB8D29E619}" type="datetimeFigureOut">
               <a:rPr lang="en-GB" smtClean="0"/>
               <a:pPr/>
-              <a:t>02/12/2024</a:t>
+              <a:t>09/12/2025</a:t>
             </a:fld>
             <a:endParaRPr lang="en-GB" dirty="0"/>
           </a:p>
@@ -2644,7 +2644,7 @@
             <a:fld id="{C473AACB-D821-4991-9D88-46EB8D29E619}" type="datetimeFigureOut">
               <a:rPr lang="en-GB" smtClean="0"/>
               <a:pPr/>
-              <a:t>02/12/2024</a:t>
+              <a:t>09/12/2025</a:t>
             </a:fld>
             <a:endParaRPr lang="en-GB" dirty="0"/>
           </a:p>
@@ -2990,7 +2990,7 @@
             <a:fld id="{C473AACB-D821-4991-9D88-46EB8D29E619}" type="datetimeFigureOut">
               <a:rPr lang="en-GB" smtClean="0"/>
               <a:pPr/>
-              <a:t>02/12/2024</a:t>
+              <a:t>09/12/2025</a:t>
             </a:fld>
             <a:endParaRPr lang="en-GB" dirty="0"/>
           </a:p>
@@ -3414,7 +3414,7 @@
             <a:fld id="{C473AACB-D821-4991-9D88-46EB8D29E619}" type="datetimeFigureOut">
               <a:rPr lang="en-GB" smtClean="0"/>
               <a:pPr/>
-              <a:t>02/12/2024</a:t>
+              <a:t>09/12/2025</a:t>
             </a:fld>
             <a:endParaRPr lang="en-GB" dirty="0"/>
           </a:p>
@@ -3649,7 +3649,7 @@
             <a:fld id="{C473AACB-D821-4991-9D88-46EB8D29E619}" type="datetimeFigureOut">
               <a:rPr lang="en-GB" smtClean="0"/>
               <a:pPr/>
-              <a:t>02/12/2024</a:t>
+              <a:t>09/12/2025</a:t>
             </a:fld>
             <a:endParaRPr lang="en-GB" dirty="0"/>
           </a:p>
@@ -3860,7 +3860,7 @@
             <a:fld id="{C473AACB-D821-4991-9D88-46EB8D29E619}" type="datetimeFigureOut">
               <a:rPr lang="en-GB" smtClean="0"/>
               <a:pPr/>
-              <a:t>02/12/2024</a:t>
+              <a:t>09/12/2025</a:t>
             </a:fld>
             <a:endParaRPr lang="en-GB" dirty="0"/>
           </a:p>
@@ -4078,7 +4078,7 @@
             <a:fld id="{C473AACB-D821-4991-9D88-46EB8D29E619}" type="datetimeFigureOut">
               <a:rPr lang="en-GB" smtClean="0"/>
               <a:pPr/>
-              <a:t>02/12/2024</a:t>
+              <a:t>09/12/2025</a:t>
             </a:fld>
             <a:endParaRPr lang="en-GB" dirty="0"/>
           </a:p>
@@ -4893,7 +4893,7 @@
             <a:fld id="{C473AACB-D821-4991-9D88-46EB8D29E619}" type="datetimeFigureOut">
               <a:rPr lang="en-GB" smtClean="0"/>
               <a:pPr/>
-              <a:t>02/12/2024</a:t>
+              <a:t>09/12/2025</a:t>
             </a:fld>
             <a:endParaRPr lang="en-GB" dirty="0"/>
           </a:p>
@@ -5707,7 +5707,7 @@
             <a:fld id="{C473AACB-D821-4991-9D88-46EB8D29E619}" type="datetimeFigureOut">
               <a:rPr lang="en-GB" smtClean="0"/>
               <a:pPr/>
-              <a:t>02/12/2024</a:t>
+              <a:t>09/12/2025</a:t>
             </a:fld>
             <a:endParaRPr lang="en-GB" dirty="0"/>
           </a:p>
@@ -5956,7 +5956,7 @@
             <a:fld id="{C473AACB-D821-4991-9D88-46EB8D29E619}" type="datetimeFigureOut">
               <a:rPr lang="en-GB" smtClean="0"/>
               <a:pPr/>
-              <a:t>02/12/2024</a:t>
+              <a:t>09/12/2025</a:t>
             </a:fld>
             <a:endParaRPr lang="en-GB" dirty="0"/>
           </a:p>
@@ -6220,7 +6220,7 @@
             <a:fld id="{C473AACB-D821-4991-9D88-46EB8D29E619}" type="datetimeFigureOut">
               <a:rPr lang="en-GB" smtClean="0"/>
               <a:pPr/>
-              <a:t>02/12/2024</a:t>
+              <a:t>09/12/2025</a:t>
             </a:fld>
             <a:endParaRPr lang="en-GB" dirty="0"/>
           </a:p>
@@ -6660,7 +6660,7 @@
             <a:fld id="{C473AACB-D821-4991-9D88-46EB8D29E619}" type="datetimeFigureOut">
               <a:rPr lang="en-GB" smtClean="0"/>
               <a:pPr/>
-              <a:t>02/12/2024</a:t>
+              <a:t>09/12/2025</a:t>
             </a:fld>
             <a:endParaRPr lang="en-GB" dirty="0"/>
           </a:p>
@@ -6815,7 +6815,7 @@
             <a:fld id="{C473AACB-D821-4991-9D88-46EB8D29E619}" type="datetimeFigureOut">
               <a:rPr lang="en-GB" smtClean="0"/>
               <a:pPr/>
-              <a:t>02/12/2024</a:t>
+              <a:t>09/12/2025</a:t>
             </a:fld>
             <a:endParaRPr lang="en-GB" dirty="0"/>
           </a:p>
@@ -6912,7 +6912,7 @@
             <a:fld id="{C473AACB-D821-4991-9D88-46EB8D29E619}" type="datetimeFigureOut">
               <a:rPr lang="en-GB" smtClean="0"/>
               <a:pPr/>
-              <a:t>02/12/2024</a:t>
+              <a:t>09/12/2025</a:t>
             </a:fld>
             <a:endParaRPr lang="en-GB" dirty="0"/>
           </a:p>
@@ -7689,7 +7689,7 @@
             <a:fld id="{C473AACB-D821-4991-9D88-46EB8D29E619}" type="datetimeFigureOut">
               <a:rPr lang="en-GB" smtClean="0"/>
               <a:pPr/>
-              <a:t>02/12/2024</a:t>
+              <a:t>09/12/2025</a:t>
             </a:fld>
             <a:endParaRPr lang="en-GB" dirty="0"/>
           </a:p>
@@ -8263,7 +8263,7 @@
           <a:p>
             <a:r>
               <a:rPr lang="en-GB" dirty="0" smtClean="0"/>
-              <a:t>PIC18FxxQ24</a:t>
+              <a:t>PIC16F175xx</a:t>
             </a:r>
           </a:p>
           <a:p>
@@ -8322,87 +8322,817 @@
             <p:ph type="title"/>
           </p:nvPr>
         </p:nvSpPr>
-        <p:spPr/>
-        <p:txBody>
-          <a:bodyPr/>
+        <p:spPr>
+          <a:xfrm>
+            <a:off x="155575" y="501030"/>
+            <a:ext cx="5400600" cy="990600"/>
+          </a:xfrm>
+        </p:spPr>
+        <p:txBody>
+          <a:bodyPr vert="horz" lIns="85064" tIns="42531" rIns="85064" bIns="42531" rtlCol="0" anchor="t">
+            <a:normAutofit/>
+          </a:bodyPr>
           <a:lstStyle/>
           <a:p>
             <a:r>
               <a:rPr lang="en-GB" dirty="0" smtClean="0"/>
-              <a:t>Power Domain – VDDIO2</a:t>
+              <a:t>Hardware</a:t>
             </a:r>
             <a:endParaRPr lang="en-GB" dirty="0"/>
           </a:p>
         </p:txBody>
       </p:sp>
-      <p:pic>
-        <p:nvPicPr>
-          <p:cNvPr id="4" name="Picture 2"/>
-          <p:cNvPicPr>
-            <a:picLocks noChangeAspect="1" noChangeArrowheads="1"/>
-          </p:cNvPicPr>
+      <p:sp>
+        <p:nvSpPr>
+          <p:cNvPr id="5" name="AutoShape 4" descr="Uploaded image"/>
+          <p:cNvSpPr>
+            <a:spLocks noChangeAspect="1" noChangeArrowheads="1"/>
+          </p:cNvSpPr>
           <p:nvPr/>
-        </p:nvPicPr>
-        <p:blipFill>
-          <a:blip r:embed="rId2">
-            <a:extLst>
-              <a:ext uri="{28A0092B-C50C-407E-A947-70E740481C1C}">
-                <a14:useLocalDpi xmlns:a14="http://schemas.microsoft.com/office/drawing/2010/main" val="0"/>
-              </a:ext>
-            </a:extLst>
-          </a:blip>
-          <a:srcRect/>
-          <a:stretch>
-            <a:fillRect/>
-          </a:stretch>
-        </p:blipFill>
+        </p:nvSpPr>
         <p:spPr bwMode="auto">
           <a:xfrm>
-            <a:off x="1619672" y="987574"/>
-            <a:ext cx="4680520" cy="4086415"/>
+            <a:off x="155575" y="-144463"/>
+            <a:ext cx="304800" cy="304801"/>
           </a:xfrm>
           <a:prstGeom prst="rect">
             <a:avLst/>
           </a:prstGeom>
           <a:noFill/>
-          <a:ln>
-            <a:noFill/>
-          </a:ln>
-          <a:effectLst/>
           <a:extLst>
             <a:ext uri="{909E8E84-426E-40DD-AFC4-6F175D3DCCD1}">
               <a14:hiddenFill xmlns:a14="http://schemas.microsoft.com/office/drawing/2010/main">
                 <a:solidFill>
-                  <a:schemeClr val="accent1"/>
+                  <a:srgbClr val="FFFFFF"/>
                 </a:solidFill>
               </a14:hiddenFill>
             </a:ext>
-            <a:ext uri="{91240B29-F687-4F45-9708-019B960494DF}">
-              <a14:hiddenLine xmlns:a14="http://schemas.microsoft.com/office/drawing/2010/main" w="9525">
+          </a:extLst>
+        </p:spPr>
+        <p:txBody>
+          <a:bodyPr vert="horz" wrap="square" lIns="91440" tIns="45720" rIns="91440" bIns="45720" numCol="1" anchor="t" anchorCtr="0" compatLnSpc="1">
+            <a:prstTxWarp prst="textNoShape">
+              <a:avLst/>
+            </a:prstTxWarp>
+          </a:bodyPr>
+          <a:lstStyle/>
+          <a:p>
+            <a:endParaRPr lang="en-GB"/>
+          </a:p>
+        </p:txBody>
+      </p:sp>
+      <p:sp>
+        <p:nvSpPr>
+          <p:cNvPr id="8" name="AutoShape 6" descr="Uploaded image"/>
+          <p:cNvSpPr>
+            <a:spLocks noChangeAspect="1" noChangeArrowheads="1"/>
+          </p:cNvSpPr>
+          <p:nvPr/>
+        </p:nvSpPr>
+        <p:spPr bwMode="auto">
+          <a:xfrm>
+            <a:off x="307975" y="7937"/>
+            <a:ext cx="304800" cy="304801"/>
+          </a:xfrm>
+          <a:prstGeom prst="rect">
+            <a:avLst/>
+          </a:prstGeom>
+          <a:noFill/>
+          <a:extLst>
+            <a:ext uri="{909E8E84-426E-40DD-AFC4-6F175D3DCCD1}">
+              <a14:hiddenFill xmlns:a14="http://schemas.microsoft.com/office/drawing/2010/main">
+                <a:solidFill>
+                  <a:srgbClr val="FFFFFF"/>
+                </a:solidFill>
+              </a14:hiddenFill>
+            </a:ext>
+          </a:extLst>
+        </p:spPr>
+        <p:txBody>
+          <a:bodyPr vert="horz" wrap="square" lIns="91440" tIns="45720" rIns="91440" bIns="45720" numCol="1" anchor="t" anchorCtr="0" compatLnSpc="1">
+            <a:prstTxWarp prst="textNoShape">
+              <a:avLst/>
+            </a:prstTxWarp>
+          </a:bodyPr>
+          <a:lstStyle/>
+          <a:p>
+            <a:endParaRPr lang="en-GB"/>
+          </a:p>
+        </p:txBody>
+      </p:sp>
+      <p:sp>
+        <p:nvSpPr>
+          <p:cNvPr id="11" name="AutoShape 8" descr="image.png"/>
+          <p:cNvSpPr>
+            <a:spLocks noChangeAspect="1" noChangeArrowheads="1"/>
+          </p:cNvSpPr>
+          <p:nvPr/>
+        </p:nvSpPr>
+        <p:spPr bwMode="auto">
+          <a:xfrm>
+            <a:off x="460375" y="160337"/>
+            <a:ext cx="304800" cy="304801"/>
+          </a:xfrm>
+          <a:prstGeom prst="rect">
+            <a:avLst/>
+          </a:prstGeom>
+          <a:noFill/>
+          <a:extLst>
+            <a:ext uri="{909E8E84-426E-40DD-AFC4-6F175D3DCCD1}">
+              <a14:hiddenFill xmlns:a14="http://schemas.microsoft.com/office/drawing/2010/main">
+                <a:solidFill>
+                  <a:srgbClr val="FFFFFF"/>
+                </a:solidFill>
+              </a14:hiddenFill>
+            </a:ext>
+          </a:extLst>
+        </p:spPr>
+        <p:txBody>
+          <a:bodyPr vert="horz" wrap="square" lIns="91440" tIns="45720" rIns="91440" bIns="45720" numCol="1" anchor="t" anchorCtr="0" compatLnSpc="1">
+            <a:prstTxWarp prst="textNoShape">
+              <a:avLst/>
+            </a:prstTxWarp>
+          </a:bodyPr>
+          <a:lstStyle/>
+          <a:p>
+            <a:endParaRPr lang="en-GB"/>
+          </a:p>
+        </p:txBody>
+      </p:sp>
+      <p:grpSp>
+        <p:nvGrpSpPr>
+          <p:cNvPr id="25" name="Group 24"/>
+          <p:cNvGrpSpPr/>
+          <p:nvPr/>
+        </p:nvGrpSpPr>
+        <p:grpSpPr>
+          <a:xfrm>
+            <a:off x="547911" y="1563638"/>
+            <a:ext cx="4384129" cy="2952328"/>
+            <a:chOff x="1043608" y="1563638"/>
+            <a:chExt cx="4384129" cy="2952328"/>
+          </a:xfrm>
+        </p:grpSpPr>
+        <p:pic>
+          <p:nvPicPr>
+            <p:cNvPr id="1036" name="Picture 12"/>
+            <p:cNvPicPr>
+              <a:picLocks noChangeAspect="1" noChangeArrowheads="1"/>
+            </p:cNvPicPr>
+            <p:nvPr/>
+          </p:nvPicPr>
+          <p:blipFill>
+            <a:blip r:embed="rId2">
+              <a:extLst>
+                <a:ext uri="{28A0092B-C50C-407E-A947-70E740481C1C}">
+                  <a14:useLocalDpi xmlns:a14="http://schemas.microsoft.com/office/drawing/2010/main" val="0"/>
+                </a:ext>
+              </a:extLst>
+            </a:blip>
+            <a:srcRect/>
+            <a:stretch>
+              <a:fillRect/>
+            </a:stretch>
+          </p:blipFill>
+          <p:spPr bwMode="auto">
+            <a:xfrm>
+              <a:off x="1043608" y="1563638"/>
+              <a:ext cx="1476375" cy="2924175"/>
+            </a:xfrm>
+            <a:prstGeom prst="rect">
+              <a:avLst/>
+            </a:prstGeom>
+            <a:noFill/>
+            <a:ln>
+              <a:noFill/>
+            </a:ln>
+            <a:effectLst/>
+            <a:extLst>
+              <a:ext uri="{909E8E84-426E-40DD-AFC4-6F175D3DCCD1}">
+                <a14:hiddenFill xmlns:a14="http://schemas.microsoft.com/office/drawing/2010/main">
+                  <a:solidFill>
+                    <a:schemeClr val="accent1"/>
+                  </a:solidFill>
+                </a14:hiddenFill>
+              </a:ext>
+              <a:ext uri="{91240B29-F687-4F45-9708-019B960494DF}">
+                <a14:hiddenLine xmlns:a14="http://schemas.microsoft.com/office/drawing/2010/main" w="9525">
+                  <a:solidFill>
+                    <a:schemeClr val="tx1"/>
+                  </a:solidFill>
+                  <a:miter lim="800000"/>
+                  <a:headEnd/>
+                  <a:tailEnd/>
+                </a14:hiddenLine>
+              </a:ext>
+              <a:ext uri="{AF507438-7753-43E0-B8FC-AC1667EBCBE1}">
+                <a14:hiddenEffects xmlns:a14="http://schemas.microsoft.com/office/drawing/2010/main">
+                  <a:effectLst>
+                    <a:outerShdw dist="35921" dir="2700000" algn="ctr" rotWithShape="0">
+                      <a:schemeClr val="bg2"/>
+                    </a:outerShdw>
+                  </a:effectLst>
+                </a14:hiddenEffects>
+              </a:ext>
+            </a:extLst>
+          </p:spPr>
+        </p:pic>
+        <p:pic>
+          <p:nvPicPr>
+            <p:cNvPr id="1037" name="Picture 13"/>
+            <p:cNvPicPr>
+              <a:picLocks noChangeAspect="1" noChangeArrowheads="1"/>
+            </p:cNvPicPr>
+            <p:nvPr/>
+          </p:nvPicPr>
+          <p:blipFill>
+            <a:blip r:embed="rId3">
+              <a:extLst>
+                <a:ext uri="{28A0092B-C50C-407E-A947-70E740481C1C}">
+                  <a14:useLocalDpi xmlns:a14="http://schemas.microsoft.com/office/drawing/2010/main" val="0"/>
+                </a:ext>
+              </a:extLst>
+            </a:blip>
+            <a:srcRect/>
+            <a:stretch>
+              <a:fillRect/>
+            </a:stretch>
+          </p:blipFill>
+          <p:spPr bwMode="auto">
+            <a:xfrm>
+              <a:off x="3779912" y="1565118"/>
+              <a:ext cx="1647825" cy="2950848"/>
+            </a:xfrm>
+            <a:prstGeom prst="rect">
+              <a:avLst/>
+            </a:prstGeom>
+            <a:noFill/>
+            <a:ln>
+              <a:noFill/>
+            </a:ln>
+            <a:effectLst/>
+            <a:extLst>
+              <a:ext uri="{909E8E84-426E-40DD-AFC4-6F175D3DCCD1}">
+                <a14:hiddenFill xmlns:a14="http://schemas.microsoft.com/office/drawing/2010/main">
+                  <a:solidFill>
+                    <a:schemeClr val="accent1"/>
+                  </a:solidFill>
+                </a14:hiddenFill>
+              </a:ext>
+              <a:ext uri="{91240B29-F687-4F45-9708-019B960494DF}">
+                <a14:hiddenLine xmlns:a14="http://schemas.microsoft.com/office/drawing/2010/main" w="9525">
+                  <a:solidFill>
+                    <a:schemeClr val="tx1"/>
+                  </a:solidFill>
+                  <a:miter lim="800000"/>
+                  <a:headEnd/>
+                  <a:tailEnd/>
+                </a14:hiddenLine>
+              </a:ext>
+              <a:ext uri="{AF507438-7753-43E0-B8FC-AC1667EBCBE1}">
+                <a14:hiddenEffects xmlns:a14="http://schemas.microsoft.com/office/drawing/2010/main">
+                  <a:effectLst>
+                    <a:outerShdw dist="35921" dir="2700000" algn="ctr" rotWithShape="0">
+                      <a:schemeClr val="bg2"/>
+                    </a:outerShdw>
+                  </a:effectLst>
+                </a14:hiddenEffects>
+              </a:ext>
+            </a:extLst>
+          </p:spPr>
+        </p:pic>
+        <p:sp>
+          <p:nvSpPr>
+            <p:cNvPr id="24" name="Rectangle 23"/>
+            <p:cNvSpPr/>
+            <p:nvPr/>
+          </p:nvSpPr>
+          <p:spPr>
+            <a:xfrm>
+              <a:off x="2555776" y="1563638"/>
+              <a:ext cx="1152128" cy="2894062"/>
+            </a:xfrm>
+            <a:prstGeom prst="rect">
+              <a:avLst/>
+            </a:prstGeom>
+            <a:solidFill>
+              <a:schemeClr val="bg1"/>
+            </a:solidFill>
+          </p:spPr>
+          <p:style>
+            <a:lnRef idx="2">
+              <a:schemeClr val="accent1">
+                <a:shade val="50000"/>
+              </a:schemeClr>
+            </a:lnRef>
+            <a:fillRef idx="1">
+              <a:schemeClr val="accent1"/>
+            </a:fillRef>
+            <a:effectRef idx="0">
+              <a:schemeClr val="accent1"/>
+            </a:effectRef>
+            <a:fontRef idx="minor">
+              <a:schemeClr val="lt1"/>
+            </a:fontRef>
+          </p:style>
+          <p:txBody>
+            <a:bodyPr rtlCol="0" anchor="ctr"/>
+            <a:lstStyle/>
+            <a:p>
+              <a:pPr algn="ctr"/>
+              <a:endParaRPr lang="en-GB" dirty="0"/>
+            </a:p>
+          </p:txBody>
+        </p:sp>
+      </p:grpSp>
+      <p:sp>
+        <p:nvSpPr>
+          <p:cNvPr id="26" name="Rectangle 25"/>
+          <p:cNvSpPr/>
+          <p:nvPr/>
+        </p:nvSpPr>
+        <p:spPr>
+          <a:xfrm>
+            <a:off x="515615" y="1804416"/>
+            <a:ext cx="2120528" cy="180000"/>
+          </a:xfrm>
+          <a:prstGeom prst="rect">
+            <a:avLst/>
+          </a:prstGeom>
+          <a:noFill/>
+          <a:ln w="38100">
+            <a:solidFill>
+              <a:srgbClr val="FF0000"/>
+            </a:solidFill>
+          </a:ln>
+        </p:spPr>
+        <p:style>
+          <a:lnRef idx="2">
+            <a:schemeClr val="accent1">
+              <a:shade val="50000"/>
+            </a:schemeClr>
+          </a:lnRef>
+          <a:fillRef idx="1">
+            <a:schemeClr val="accent1"/>
+          </a:fillRef>
+          <a:effectRef idx="0">
+            <a:schemeClr val="accent1"/>
+          </a:effectRef>
+          <a:fontRef idx="minor">
+            <a:schemeClr val="lt1"/>
+          </a:fontRef>
+        </p:style>
+        <p:txBody>
+          <a:bodyPr rtlCol="0" anchor="ctr"/>
+          <a:lstStyle/>
+          <a:p>
+            <a:pPr algn="r"/>
+            <a:r>
+              <a:rPr lang="en-GB" sz="1100" dirty="0" smtClean="0">
                 <a:solidFill>
                   <a:schemeClr val="tx1"/>
                 </a:solidFill>
-                <a:miter lim="800000"/>
-                <a:headEnd/>
-                <a:tailEnd/>
-              </a14:hiddenLine>
-            </a:ext>
-            <a:ext uri="{AF507438-7753-43E0-B8FC-AC1667EBCBE1}">
-              <a14:hiddenEffects xmlns:a14="http://schemas.microsoft.com/office/drawing/2010/main">
-                <a:effectLst>
-                  <a:outerShdw dist="35921" dir="2700000" algn="ctr" rotWithShape="0">
-                    <a:schemeClr val="bg2"/>
-                  </a:outerShdw>
-                </a:effectLst>
-              </a14:hiddenEffects>
-            </a:ext>
-          </a:extLst>
+              </a:rPr>
+              <a:t>ADC</a:t>
+            </a:r>
+            <a:endParaRPr lang="en-GB" sz="1100" dirty="0">
+              <a:solidFill>
+                <a:schemeClr val="tx1"/>
+              </a:solidFill>
+            </a:endParaRPr>
+          </a:p>
+        </p:txBody>
+      </p:sp>
+      <p:sp>
+        <p:nvSpPr>
+          <p:cNvPr id="15" name="Rectangle 14"/>
+          <p:cNvSpPr/>
+          <p:nvPr/>
+        </p:nvSpPr>
+        <p:spPr>
+          <a:xfrm>
+            <a:off x="460375" y="3435846"/>
+            <a:ext cx="2120528" cy="864096"/>
+          </a:xfrm>
+          <a:prstGeom prst="rect">
+            <a:avLst/>
+          </a:prstGeom>
+          <a:noFill/>
+          <a:ln w="38100">
+            <a:solidFill>
+              <a:srgbClr val="FF0000"/>
+            </a:solidFill>
+          </a:ln>
         </p:spPr>
-      </p:pic>
+        <p:style>
+          <a:lnRef idx="2">
+            <a:schemeClr val="accent1">
+              <a:shade val="50000"/>
+            </a:schemeClr>
+          </a:lnRef>
+          <a:fillRef idx="1">
+            <a:schemeClr val="accent1"/>
+          </a:fillRef>
+          <a:effectRef idx="0">
+            <a:schemeClr val="accent1"/>
+          </a:effectRef>
+          <a:fontRef idx="minor">
+            <a:schemeClr val="lt1"/>
+          </a:fontRef>
+        </p:style>
+        <p:txBody>
+          <a:bodyPr rtlCol="0" anchor="ctr"/>
+          <a:lstStyle/>
+          <a:p>
+            <a:pPr algn="r"/>
+            <a:r>
+              <a:rPr lang="en-GB" sz="1100" dirty="0" smtClean="0">
+                <a:solidFill>
+                  <a:schemeClr val="tx1"/>
+                </a:solidFill>
+              </a:rPr>
+              <a:t>LED</a:t>
+            </a:r>
+            <a:endParaRPr lang="en-GB" sz="1100" dirty="0">
+              <a:solidFill>
+                <a:schemeClr val="tx1"/>
+              </a:solidFill>
+            </a:endParaRPr>
+          </a:p>
+        </p:txBody>
+      </p:sp>
+      <p:sp>
+        <p:nvSpPr>
+          <p:cNvPr id="16" name="Rectangle 15"/>
+          <p:cNvSpPr/>
+          <p:nvPr/>
+        </p:nvSpPr>
+        <p:spPr>
+          <a:xfrm>
+            <a:off x="519448" y="2355726"/>
+            <a:ext cx="2120528" cy="180000"/>
+          </a:xfrm>
+          <a:prstGeom prst="rect">
+            <a:avLst/>
+          </a:prstGeom>
+          <a:noFill/>
+          <a:ln w="38100">
+            <a:solidFill>
+              <a:srgbClr val="FF0000"/>
+            </a:solidFill>
+          </a:ln>
+        </p:spPr>
+        <p:style>
+          <a:lnRef idx="2">
+            <a:schemeClr val="accent1">
+              <a:shade val="50000"/>
+            </a:schemeClr>
+          </a:lnRef>
+          <a:fillRef idx="1">
+            <a:schemeClr val="accent1"/>
+          </a:fillRef>
+          <a:effectRef idx="0">
+            <a:schemeClr val="accent1"/>
+          </a:effectRef>
+          <a:fontRef idx="minor">
+            <a:schemeClr val="lt1"/>
+          </a:fontRef>
+        </p:style>
+        <p:txBody>
+          <a:bodyPr rtlCol="0" anchor="ctr"/>
+          <a:lstStyle/>
+          <a:p>
+            <a:pPr algn="r"/>
+            <a:r>
+              <a:rPr lang="en-GB" sz="1100" dirty="0" smtClean="0">
+                <a:solidFill>
+                  <a:schemeClr val="tx1"/>
+                </a:solidFill>
+              </a:rPr>
+              <a:t>SW</a:t>
+            </a:r>
+            <a:endParaRPr lang="en-GB" sz="1100" dirty="0">
+              <a:solidFill>
+                <a:schemeClr val="tx1"/>
+              </a:solidFill>
+            </a:endParaRPr>
+          </a:p>
+        </p:txBody>
+      </p:sp>
+      <p:sp>
+        <p:nvSpPr>
+          <p:cNvPr id="4" name="Rectangle 3"/>
+          <p:cNvSpPr/>
+          <p:nvPr/>
+        </p:nvSpPr>
+        <p:spPr>
+          <a:xfrm>
+            <a:off x="6732240" y="3651870"/>
+            <a:ext cx="432048" cy="318266"/>
+          </a:xfrm>
+          <a:prstGeom prst="rect">
+            <a:avLst/>
+          </a:prstGeom>
+          <a:solidFill>
+            <a:schemeClr val="bg1"/>
+          </a:solidFill>
+          <a:ln>
+            <a:solidFill>
+              <a:schemeClr val="bg1"/>
+            </a:solidFill>
+          </a:ln>
+        </p:spPr>
+        <p:style>
+          <a:lnRef idx="2">
+            <a:schemeClr val="accent1">
+              <a:shade val="50000"/>
+            </a:schemeClr>
+          </a:lnRef>
+          <a:fillRef idx="1">
+            <a:schemeClr val="accent1"/>
+          </a:fillRef>
+          <a:effectRef idx="0">
+            <a:schemeClr val="accent1"/>
+          </a:effectRef>
+          <a:fontRef idx="minor">
+            <a:schemeClr val="lt1"/>
+          </a:fontRef>
+        </p:style>
+        <p:txBody>
+          <a:bodyPr rtlCol="0" anchor="ctr"/>
+          <a:lstStyle/>
+          <a:p>
+            <a:pPr algn="ctr"/>
+            <a:endParaRPr lang="en-GB"/>
+          </a:p>
+        </p:txBody>
+      </p:sp>
+      <p:cxnSp>
+        <p:nvCxnSpPr>
+          <p:cNvPr id="10" name="Straight Connector 9"/>
+          <p:cNvCxnSpPr/>
+          <p:nvPr/>
+        </p:nvCxnSpPr>
+        <p:spPr>
+          <a:xfrm>
+            <a:off x="6660232" y="3867894"/>
+            <a:ext cx="648072" cy="0"/>
+          </a:xfrm>
+          <a:prstGeom prst="line">
+            <a:avLst/>
+          </a:prstGeom>
+        </p:spPr>
+        <p:style>
+          <a:lnRef idx="1">
+            <a:schemeClr val="accent1"/>
+          </a:lnRef>
+          <a:fillRef idx="0">
+            <a:schemeClr val="accent1"/>
+          </a:fillRef>
+          <a:effectRef idx="0">
+            <a:schemeClr val="accent1"/>
+          </a:effectRef>
+          <a:fontRef idx="minor">
+            <a:schemeClr val="tx1"/>
+          </a:fontRef>
+        </p:style>
+      </p:cxnSp>
+      <p:sp>
+        <p:nvSpPr>
+          <p:cNvPr id="32" name="Rectangle 31"/>
+          <p:cNvSpPr/>
+          <p:nvPr/>
+        </p:nvSpPr>
+        <p:spPr>
+          <a:xfrm>
+            <a:off x="519448" y="1566672"/>
+            <a:ext cx="2120528" cy="200406"/>
+          </a:xfrm>
+          <a:prstGeom prst="rect">
+            <a:avLst/>
+          </a:prstGeom>
+          <a:noFill/>
+          <a:ln w="38100">
+            <a:solidFill>
+              <a:srgbClr val="FF0000"/>
+            </a:solidFill>
+          </a:ln>
+        </p:spPr>
+        <p:style>
+          <a:lnRef idx="2">
+            <a:schemeClr val="accent1">
+              <a:shade val="50000"/>
+            </a:schemeClr>
+          </a:lnRef>
+          <a:fillRef idx="1">
+            <a:schemeClr val="accent1"/>
+          </a:fillRef>
+          <a:effectRef idx="0">
+            <a:schemeClr val="accent1"/>
+          </a:effectRef>
+          <a:fontRef idx="minor">
+            <a:schemeClr val="lt1"/>
+          </a:fontRef>
+        </p:style>
+        <p:txBody>
+          <a:bodyPr rtlCol="0" anchor="ctr"/>
+          <a:lstStyle/>
+          <a:p>
+            <a:pPr algn="r"/>
+            <a:r>
+              <a:rPr lang="en-GB" sz="1100" dirty="0" smtClean="0">
+                <a:solidFill>
+                  <a:schemeClr val="tx1"/>
+                </a:solidFill>
+              </a:rPr>
+              <a:t>SW</a:t>
+            </a:r>
+            <a:endParaRPr lang="en-GB" sz="1100" dirty="0">
+              <a:solidFill>
+                <a:schemeClr val="tx1"/>
+              </a:solidFill>
+            </a:endParaRPr>
+          </a:p>
+        </p:txBody>
+      </p:sp>
+      <p:sp>
+        <p:nvSpPr>
+          <p:cNvPr id="17" name="Rectangle 16"/>
+          <p:cNvSpPr/>
+          <p:nvPr/>
+        </p:nvSpPr>
+        <p:spPr>
+          <a:xfrm>
+            <a:off x="3305320" y="3757806"/>
+            <a:ext cx="2202784" cy="180000"/>
+          </a:xfrm>
+          <a:prstGeom prst="rect">
+            <a:avLst/>
+          </a:prstGeom>
+          <a:noFill/>
+          <a:ln w="38100">
+            <a:solidFill>
+              <a:srgbClr val="FF0000"/>
+            </a:solidFill>
+          </a:ln>
+        </p:spPr>
+        <p:style>
+          <a:lnRef idx="2">
+            <a:schemeClr val="accent1">
+              <a:shade val="50000"/>
+            </a:schemeClr>
+          </a:lnRef>
+          <a:fillRef idx="1">
+            <a:schemeClr val="accent1"/>
+          </a:fillRef>
+          <a:effectRef idx="0">
+            <a:schemeClr val="accent1"/>
+          </a:effectRef>
+          <a:fontRef idx="minor">
+            <a:schemeClr val="lt1"/>
+          </a:fontRef>
+        </p:style>
+        <p:txBody>
+          <a:bodyPr rtlCol="0" anchor="ctr"/>
+          <a:lstStyle/>
+          <a:p>
+            <a:pPr algn="r"/>
+            <a:r>
+              <a:rPr lang="en-GB" sz="1100" dirty="0" smtClean="0">
+                <a:solidFill>
+                  <a:schemeClr val="tx1"/>
+                </a:solidFill>
+              </a:rPr>
+              <a:t>TX1</a:t>
+            </a:r>
+            <a:endParaRPr lang="en-GB" sz="1100" dirty="0">
+              <a:solidFill>
+                <a:schemeClr val="tx1"/>
+              </a:solidFill>
+            </a:endParaRPr>
+          </a:p>
+        </p:txBody>
+      </p:sp>
+      <p:sp>
+        <p:nvSpPr>
+          <p:cNvPr id="18" name="Rectangle 17"/>
+          <p:cNvSpPr/>
+          <p:nvPr/>
+        </p:nvSpPr>
+        <p:spPr>
+          <a:xfrm>
+            <a:off x="3305320" y="3910206"/>
+            <a:ext cx="2202784" cy="180000"/>
+          </a:xfrm>
+          <a:prstGeom prst="rect">
+            <a:avLst/>
+          </a:prstGeom>
+          <a:noFill/>
+          <a:ln w="38100">
+            <a:solidFill>
+              <a:srgbClr val="FF0000"/>
+            </a:solidFill>
+          </a:ln>
+        </p:spPr>
+        <p:style>
+          <a:lnRef idx="2">
+            <a:schemeClr val="accent1">
+              <a:shade val="50000"/>
+            </a:schemeClr>
+          </a:lnRef>
+          <a:fillRef idx="1">
+            <a:schemeClr val="accent1"/>
+          </a:fillRef>
+          <a:effectRef idx="0">
+            <a:schemeClr val="accent1"/>
+          </a:effectRef>
+          <a:fontRef idx="minor">
+            <a:schemeClr val="lt1"/>
+          </a:fontRef>
+        </p:style>
+        <p:txBody>
+          <a:bodyPr rtlCol="0" anchor="ctr"/>
+          <a:lstStyle/>
+          <a:p>
+            <a:pPr algn="r"/>
+            <a:r>
+              <a:rPr lang="en-GB" sz="1100" dirty="0" smtClean="0">
+                <a:solidFill>
+                  <a:schemeClr val="tx1"/>
+                </a:solidFill>
+              </a:rPr>
+              <a:t>SCL</a:t>
+            </a:r>
+            <a:endParaRPr lang="en-GB" sz="1100" dirty="0">
+              <a:solidFill>
+                <a:schemeClr val="tx1"/>
+              </a:solidFill>
+            </a:endParaRPr>
+          </a:p>
+        </p:txBody>
+      </p:sp>
+      <p:sp>
+        <p:nvSpPr>
+          <p:cNvPr id="19" name="Rectangle 18"/>
+          <p:cNvSpPr/>
+          <p:nvPr/>
+        </p:nvSpPr>
+        <p:spPr>
+          <a:xfrm>
+            <a:off x="3305320" y="4062606"/>
+            <a:ext cx="2202784" cy="180000"/>
+          </a:xfrm>
+          <a:prstGeom prst="rect">
+            <a:avLst/>
+          </a:prstGeom>
+          <a:noFill/>
+          <a:ln w="38100">
+            <a:solidFill>
+              <a:srgbClr val="FF0000"/>
+            </a:solidFill>
+          </a:ln>
+        </p:spPr>
+        <p:style>
+          <a:lnRef idx="2">
+            <a:schemeClr val="accent1">
+              <a:shade val="50000"/>
+            </a:schemeClr>
+          </a:lnRef>
+          <a:fillRef idx="1">
+            <a:schemeClr val="accent1"/>
+          </a:fillRef>
+          <a:effectRef idx="0">
+            <a:schemeClr val="accent1"/>
+          </a:effectRef>
+          <a:fontRef idx="minor">
+            <a:schemeClr val="lt1"/>
+          </a:fontRef>
+        </p:style>
+        <p:txBody>
+          <a:bodyPr rtlCol="0" anchor="ctr"/>
+          <a:lstStyle/>
+          <a:p>
+            <a:pPr algn="r"/>
+            <a:r>
+              <a:rPr lang="en-GB" sz="1100" dirty="0" smtClean="0">
+                <a:solidFill>
+                  <a:schemeClr val="tx1"/>
+                </a:solidFill>
+              </a:rPr>
+              <a:t>SDA</a:t>
+            </a:r>
+            <a:endParaRPr lang="en-GB" sz="1100" dirty="0">
+              <a:solidFill>
+                <a:schemeClr val="tx1"/>
+              </a:solidFill>
+            </a:endParaRPr>
+          </a:p>
+        </p:txBody>
+      </p:sp>
     </p:spTree>
     <p:extLst>
       <p:ext uri="{BB962C8B-B14F-4D97-AF65-F5344CB8AC3E}">
-        <p14:creationId xmlns:p14="http://schemas.microsoft.com/office/powerpoint/2010/main" val="1666153811"/>
+        <p14:creationId xmlns:p14="http://schemas.microsoft.com/office/powerpoint/2010/main" val="2367449173"/>
       </p:ext>
     </p:extLst>
   </p:cSld>
@@ -8411,10 +9141,10 @@
   </p:clrMapOvr>
   <mc:AlternateContent xmlns:mc="http://schemas.openxmlformats.org/markup-compatibility/2006" xmlns:p14="http://schemas.microsoft.com/office/powerpoint/2010/main">
     <mc:Choice Requires="p14">
-      <p:transition spd="slow" p14:dur="2000"/>
+      <p:transition spd="slow" p14:dur="2000" advClick="0"/>
     </mc:Choice>
     <mc:Fallback xmlns="">
-      <p:transition spd="slow"/>
+      <p:transition spd="slow" advClick="0"/>
     </mc:Fallback>
   </mc:AlternateContent>
   <p:timing>
@@ -9083,14 +9813,14 @@
       </p:cxnSp>
       <p:pic>
         <p:nvPicPr>
-          <p:cNvPr id="22" name="Picture 8" descr="C:\Users\admin\OneDrive\Desktop\Picture1.jpg"/>
+          <p:cNvPr id="25" name="Picture 4" descr="PIC16F17556 | Microchip Technology"/>
           <p:cNvPicPr>
             <a:picLocks noChangeAspect="1" noChangeArrowheads="1"/>
           </p:cNvPicPr>
           <p:nvPr/>
         </p:nvPicPr>
         <p:blipFill>
-          <a:blip r:embed="rId4">
+          <a:blip r:embed="rId4" cstate="print">
             <a:extLst>
               <a:ext uri="{28A0092B-C50C-407E-A947-70E740481C1C}">
                 <a14:useLocalDpi xmlns:a14="http://schemas.microsoft.com/office/drawing/2010/main" val="0"/>
@@ -9104,8 +9834,8 @@
         </p:blipFill>
         <p:spPr bwMode="auto">
           <a:xfrm>
-            <a:off x="4602592" y="3795886"/>
-            <a:ext cx="2320300" cy="1129258"/>
+            <a:off x="4807331" y="3965243"/>
+            <a:ext cx="2415427" cy="1178257"/>
           </a:xfrm>
           <a:prstGeom prst="rect">
             <a:avLst/>
@@ -10593,7 +11323,11 @@
               <a:pPr algn="ctr"/>
               <a:r>
                 <a:rPr lang="en-GB" sz="1200" dirty="0" smtClean="0"/>
-                <a:t>Libraries - 125</a:t>
+                <a:t>Libraries </a:t>
+              </a:r>
+              <a:r>
+                <a:rPr lang="en-GB" sz="1200" dirty="0" smtClean="0"/>
+                <a:t>– 125+</a:t>
               </a:r>
               <a:endParaRPr lang="en-GB" sz="1200" dirty="0"/>
             </a:p>
@@ -10816,7 +11550,11 @@
               </a:r>
               <a:r>
                 <a:rPr lang="en-GB" sz="1200" dirty="0" smtClean="0"/>
-                <a:t> - 26</a:t>
+                <a:t> </a:t>
+              </a:r>
+              <a:r>
+                <a:rPr lang="en-GB" sz="1200" dirty="0" smtClean="0"/>
+                <a:t>– 25+</a:t>
               </a:r>
               <a:endParaRPr lang="en-GB" sz="1200" dirty="0"/>
             </a:p>
@@ -10862,7 +11600,6 @@
                 <a:rPr lang="en-GB" sz="1200" dirty="0"/>
                 <a:t>User Functions</a:t>
               </a:r>
-              <a:endParaRPr lang="en-GB" sz="1200" dirty="0"/>
             </a:p>
           </p:txBody>
         </p:sp>
@@ -10961,7 +11698,6 @@
                 <a:rPr lang="en-GB" sz="1200" dirty="0"/>
                 <a:t>Converters</a:t>
               </a:r>
-              <a:endParaRPr lang="en-GB" sz="1200" dirty="0"/>
             </a:p>
           </p:txBody>
         </p:sp>
@@ -11280,14 +12016,14 @@
           <p:nvPr>
             <p:extLst>
               <p:ext uri="{D42A27DB-BD31-4B8C-83A1-F6EECF244321}">
-                <p14:modId xmlns:p14="http://schemas.microsoft.com/office/powerpoint/2010/main" val="256449821"/>
+                <p14:modId xmlns:p14="http://schemas.microsoft.com/office/powerpoint/2010/main" val="526469482"/>
               </p:ext>
             </p:extLst>
           </p:nvPr>
         </p:nvGraphicFramePr>
         <p:xfrm>
           <a:off x="1259632" y="3291830"/>
-          <a:ext cx="5328591" cy="1510062"/>
+          <a:ext cx="4069729" cy="1510062"/>
         </p:xfrm>
         <a:graphic>
           <a:graphicData uri="http://schemas.openxmlformats.org/drawingml/2006/table">
@@ -11296,29 +12032,10 @@
                 <a:tableStyleId>{5C22544A-7EE6-4342-B048-85BDC9FD1C3A}</a:tableStyleId>
               </a:tblPr>
               <a:tblGrid>
-                <a:gridCol w="1258862"/>
-                <a:gridCol w="1321805"/>
-                <a:gridCol w="2747924"/>
+                <a:gridCol w="1656184"/>
+                <a:gridCol w="2413545"/>
               </a:tblGrid>
               <a:tr h="144016">
-                <a:tc>
-                  <a:txBody>
-                    <a:bodyPr/>
-                    <a:lstStyle/>
-                    <a:p>
-                      <a:r>
-                        <a:rPr lang="en-GB" sz="1000" dirty="0" smtClean="0"/>
-                        <a:t>Demo</a:t>
-                      </a:r>
-                      <a:r>
-                        <a:rPr lang="en-GB" sz="1000" baseline="0" dirty="0" smtClean="0"/>
-                        <a:t> number</a:t>
-                      </a:r>
-                      <a:endParaRPr lang="en-GB" sz="1000" dirty="0"/>
-                    </a:p>
-                  </a:txBody>
-                  <a:tcPr/>
-                </a:tc>
                 <a:tc>
                   <a:txBody>
                     <a:bodyPr/>
@@ -11353,24 +12070,6 @@
                 </a:tc>
               </a:tr>
               <a:tr h="376557">
-                <a:tc>
-                  <a:txBody>
-                    <a:bodyPr/>
-                    <a:lstStyle/>
-                    <a:p>
-                      <a:r>
-                        <a:rPr lang="en-GB" sz="1000" dirty="0" smtClean="0"/>
-                        <a:t>180</a:t>
-                      </a:r>
-                      <a:r>
-                        <a:rPr lang="en-GB" sz="1000" baseline="0" dirty="0" smtClean="0"/>
-                        <a:t> &amp; 190</a:t>
-                      </a:r>
-                      <a:endParaRPr lang="en-GB" sz="1000" dirty="0"/>
-                    </a:p>
-                  </a:txBody>
-                  <a:tcPr/>
-                </a:tc>
                 <a:tc>
                   <a:txBody>
                     <a:bodyPr/>
@@ -11422,20 +12121,6 @@
                     <a:p>
                       <a:r>
                         <a:rPr lang="en-GB" sz="1000" dirty="0" smtClean="0"/>
-                        <a:t>200</a:t>
-                      </a:r>
-                      <a:endParaRPr lang="en-GB" sz="1000" dirty="0"/>
-                    </a:p>
-                  </a:txBody>
-                  <a:tcPr/>
-                </a:tc>
-                <a:tc>
-                  <a:txBody>
-                    <a:bodyPr/>
-                    <a:lstStyle/>
-                    <a:p>
-                      <a:r>
-                        <a:rPr lang="en-GB" sz="1000" dirty="0" smtClean="0"/>
                         <a:t>BMP</a:t>
                       </a:r>
                       <a:r>
@@ -11470,20 +12155,6 @@
                     <a:p>
                       <a:r>
                         <a:rPr lang="en-GB" sz="1000" dirty="0" smtClean="0"/>
-                        <a:t>210</a:t>
-                      </a:r>
-                      <a:endParaRPr lang="en-GB" sz="1000" dirty="0"/>
-                    </a:p>
-                  </a:txBody>
-                  <a:tcPr/>
-                </a:tc>
-                <a:tc>
-                  <a:txBody>
-                    <a:bodyPr/>
-                    <a:lstStyle/>
-                    <a:p>
-                      <a:r>
-                        <a:rPr lang="en-GB" sz="1000" dirty="0" smtClean="0"/>
                         <a:t>Sprite</a:t>
                       </a:r>
                       <a:endParaRPr lang="en-GB" sz="1000" dirty="0"/>
@@ -11511,20 +12182,6 @@
                 </a:tc>
               </a:tr>
               <a:tr h="352418">
-                <a:tc>
-                  <a:txBody>
-                    <a:bodyPr/>
-                    <a:lstStyle/>
-                    <a:p>
-                      <a:r>
-                        <a:rPr lang="en-GB" sz="1000" dirty="0" smtClean="0"/>
-                        <a:t>220</a:t>
-                      </a:r>
-                      <a:endParaRPr lang="en-GB" sz="1000" dirty="0"/>
-                    </a:p>
-                  </a:txBody>
-                  <a:tcPr/>
-                </a:tc>
                 <a:tc>
                   <a:txBody>
                     <a:bodyPr/>
@@ -11976,7 +12633,19 @@
             </a:pPr>
             <a:r>
               <a:rPr lang="en-GB" sz="1100" dirty="0"/>
-              <a:t>Using PWM, 7  ways,  to dim the LEDS</a:t>
+              <a:t>Using </a:t>
+            </a:r>
+            <a:r>
+              <a:rPr lang="en-GB" sz="1100" dirty="0" smtClean="0"/>
+              <a:t>PWM</a:t>
+            </a:r>
+            <a:r>
+              <a:rPr lang="en-GB" sz="1100" smtClean="0"/>
+              <a:t>, many ways</a:t>
+            </a:r>
+            <a:r>
+              <a:rPr lang="en-GB" sz="1100" dirty="0"/>
+              <a:t>,  to dim the LEDS</a:t>
             </a:r>
           </a:p>
           <a:p>
@@ -12501,7 +13170,7 @@
           <a:p>
             <a:r>
               <a:rPr lang="en-GB" dirty="0" smtClean="0"/>
-              <a:t>PIC18FxxQ24</a:t>
+              <a:t>PIC16F175xx</a:t>
             </a:r>
           </a:p>
           <a:p>
@@ -12515,7 +13184,7 @@
       </p:sp>
       <p:pic>
         <p:nvPicPr>
-          <p:cNvPr id="10" name="Picture 2" descr="PIC18F26Q24"/>
+          <p:cNvPr id="7" name="Picture 4" descr="PIC16F17556 | Microchip Technology"/>
           <p:cNvPicPr>
             <a:picLocks noChangeAspect="1" noChangeArrowheads="1"/>
           </p:cNvPicPr>
@@ -12536,8 +13205,49 @@
         </p:blipFill>
         <p:spPr bwMode="auto">
           <a:xfrm>
-            <a:off x="1907705" y="4116163"/>
-            <a:ext cx="1280738" cy="922132"/>
+            <a:off x="6756864" y="3922804"/>
+            <a:ext cx="2415427" cy="1178257"/>
+          </a:xfrm>
+          <a:prstGeom prst="rect">
+            <a:avLst/>
+          </a:prstGeom>
+          <a:noFill/>
+          <a:extLst>
+            <a:ext uri="{909E8E84-426E-40DD-AFC4-6F175D3DCCD1}">
+              <a14:hiddenFill xmlns:a14="http://schemas.microsoft.com/office/drawing/2010/main">
+                <a:solidFill>
+                  <a:srgbClr val="FFFFFF"/>
+                </a:solidFill>
+              </a14:hiddenFill>
+            </a:ext>
+          </a:extLst>
+        </p:spPr>
+      </p:pic>
+      <p:pic>
+        <p:nvPicPr>
+          <p:cNvPr id="9" name="Picture 8" descr="VQFN / 28"/>
+          <p:cNvPicPr>
+            <a:picLocks noChangeAspect="1" noChangeArrowheads="1"/>
+          </p:cNvPicPr>
+          <p:nvPr/>
+        </p:nvPicPr>
+        <p:blipFill>
+          <a:blip r:embed="rId4">
+            <a:extLst>
+              <a:ext uri="{28A0092B-C50C-407E-A947-70E740481C1C}">
+                <a14:useLocalDpi xmlns:a14="http://schemas.microsoft.com/office/drawing/2010/main" val="0"/>
+              </a:ext>
+            </a:extLst>
+          </a:blip>
+          <a:srcRect/>
+          <a:stretch>
+            <a:fillRect/>
+          </a:stretch>
+        </p:blipFill>
+        <p:spPr bwMode="auto">
+          <a:xfrm>
+            <a:off x="2561760" y="4074815"/>
+            <a:ext cx="1142256" cy="1026246"/>
           </a:xfrm>
           <a:prstGeom prst="rect">
             <a:avLst/>
@@ -12921,7 +13631,7 @@
           <a:p>
             <a:r>
               <a:rPr lang="en-GB" dirty="0" smtClean="0"/>
-              <a:t>PIC18FxxQ24</a:t>
+              <a:t>PIC16F175xx</a:t>
             </a:r>
           </a:p>
           <a:p>
@@ -12935,7 +13645,7 @@
       </p:sp>
       <p:pic>
         <p:nvPicPr>
-          <p:cNvPr id="10" name="Picture 2" descr="PIC18F26Q24"/>
+          <p:cNvPr id="7" name="Picture 4" descr="PIC16F17556 | Microchip Technology"/>
           <p:cNvPicPr>
             <a:picLocks noChangeAspect="1" noChangeArrowheads="1"/>
           </p:cNvPicPr>
@@ -12956,8 +13666,49 @@
         </p:blipFill>
         <p:spPr bwMode="auto">
           <a:xfrm>
-            <a:off x="1907705" y="4116163"/>
-            <a:ext cx="1280738" cy="922132"/>
+            <a:off x="6756864" y="3922804"/>
+            <a:ext cx="2415427" cy="1178257"/>
+          </a:xfrm>
+          <a:prstGeom prst="rect">
+            <a:avLst/>
+          </a:prstGeom>
+          <a:noFill/>
+          <a:extLst>
+            <a:ext uri="{909E8E84-426E-40DD-AFC4-6F175D3DCCD1}">
+              <a14:hiddenFill xmlns:a14="http://schemas.microsoft.com/office/drawing/2010/main">
+                <a:solidFill>
+                  <a:srgbClr val="FFFFFF"/>
+                </a:solidFill>
+              </a14:hiddenFill>
+            </a:ext>
+          </a:extLst>
+        </p:spPr>
+      </p:pic>
+      <p:pic>
+        <p:nvPicPr>
+          <p:cNvPr id="9" name="Picture 8" descr="VQFN / 28"/>
+          <p:cNvPicPr>
+            <a:picLocks noChangeAspect="1" noChangeArrowheads="1"/>
+          </p:cNvPicPr>
+          <p:nvPr/>
+        </p:nvPicPr>
+        <p:blipFill>
+          <a:blip r:embed="rId4">
+            <a:extLst>
+              <a:ext uri="{28A0092B-C50C-407E-A947-70E740481C1C}">
+                <a14:useLocalDpi xmlns:a14="http://schemas.microsoft.com/office/drawing/2010/main" val="0"/>
+              </a:ext>
+            </a:extLst>
+          </a:blip>
+          <a:srcRect/>
+          <a:stretch>
+            <a:fillRect/>
+          </a:stretch>
+        </p:blipFill>
+        <p:spPr bwMode="auto">
+          <a:xfrm>
+            <a:off x="2561760" y="4074815"/>
+            <a:ext cx="1142256" cy="1026246"/>
           </a:xfrm>
           <a:prstGeom prst="rect">
             <a:avLst/>
@@ -13170,9 +13921,38 @@
           </a:p>
         </p:txBody>
       </p:sp>
+      <p:sp>
+        <p:nvSpPr>
+          <p:cNvPr id="11" name="Date Placeholder 3"/>
+          <p:cNvSpPr>
+            <a:spLocks noGrp="1"/>
+          </p:cNvSpPr>
+          <p:nvPr>
+            <p:ph type="dt" sz="half" idx="10"/>
+          </p:nvPr>
+        </p:nvSpPr>
+        <p:spPr>
+          <a:xfrm>
+            <a:off x="6113182" y="4384422"/>
+            <a:ext cx="354882" cy="305233"/>
+          </a:xfrm>
+        </p:spPr>
+        <p:txBody>
+          <a:bodyPr/>
+          <a:lstStyle/>
+          <a:p>
+            <a:fld id="{1E700B27-DE4C-4B9E-BB11-B9027034A00F}" type="datetimeFigureOut">
+              <a:rPr lang="en-US" smtClean="0"/>
+              <a:pPr/>
+              <a:t>12/9/2025</a:t>
+            </a:fld>
+            <a:endParaRPr lang="en-US" dirty="0"/>
+          </a:p>
+        </p:txBody>
+      </p:sp>
       <p:pic>
         <p:nvPicPr>
-          <p:cNvPr id="8" name="Picture 2" descr="PIC18F26Q24"/>
+          <p:cNvPr id="9" name="Picture 4" descr="PIC16F17556 | Microchip Technology"/>
           <p:cNvPicPr>
             <a:picLocks noChangeAspect="1" noChangeArrowheads="1"/>
           </p:cNvPicPr>
@@ -13193,8 +13973,8 @@
         </p:blipFill>
         <p:spPr bwMode="auto">
           <a:xfrm>
-            <a:off x="1907705" y="4116163"/>
-            <a:ext cx="1280738" cy="922132"/>
+            <a:off x="6756864" y="3922804"/>
+            <a:ext cx="2415427" cy="1178257"/>
           </a:xfrm>
           <a:prstGeom prst="rect">
             <a:avLst/>
@@ -13213,7 +13993,7 @@
       </p:pic>
       <p:pic>
         <p:nvPicPr>
-          <p:cNvPr id="10" name="Picture 8" descr="C:\Users\admin\OneDrive\Desktop\Picture1.jpg"/>
+          <p:cNvPr id="12" name="Picture 11" descr="VQFN / 28"/>
           <p:cNvPicPr>
             <a:picLocks noChangeAspect="1" noChangeArrowheads="1"/>
           </p:cNvPicPr>
@@ -13234,8 +14014,8 @@
         </p:blipFill>
         <p:spPr bwMode="auto">
           <a:xfrm>
-            <a:off x="3995936" y="3937587"/>
-            <a:ext cx="2320300" cy="1129258"/>
+            <a:off x="2561760" y="4074815"/>
+            <a:ext cx="1142256" cy="1026246"/>
           </a:xfrm>
           <a:prstGeom prst="rect">
             <a:avLst/>
@@ -13252,35 +14032,6 @@
           </a:extLst>
         </p:spPr>
       </p:pic>
-      <p:sp>
-        <p:nvSpPr>
-          <p:cNvPr id="11" name="Date Placeholder 3"/>
-          <p:cNvSpPr>
-            <a:spLocks noGrp="1"/>
-          </p:cNvSpPr>
-          <p:nvPr>
-            <p:ph type="dt" sz="half" idx="10"/>
-          </p:nvPr>
-        </p:nvSpPr>
-        <p:spPr>
-          <a:xfrm>
-            <a:off x="6113182" y="4384422"/>
-            <a:ext cx="354882" cy="305233"/>
-          </a:xfrm>
-        </p:spPr>
-        <p:txBody>
-          <a:bodyPr/>
-          <a:lstStyle/>
-          <a:p>
-            <a:fld id="{1E700B27-DE4C-4B9E-BB11-B9027034A00F}" type="datetimeFigureOut">
-              <a:rPr lang="en-US" smtClean="0"/>
-              <a:pPr/>
-              <a:t>12/2/2024</a:t>
-            </a:fld>
-            <a:endParaRPr lang="en-US" dirty="0"/>
-          </a:p>
-        </p:txBody>
-      </p:sp>
     </p:spTree>
     <p:extLst>
       <p:ext uri="{BB962C8B-B14F-4D97-AF65-F5344CB8AC3E}">
@@ -13344,7 +14095,7 @@
             <a:pPr algn="l"/>
             <a:r>
               <a:rPr lang="en-GB" dirty="0" smtClean="0"/>
-              <a:t>PIC18FxxQ24</a:t>
+              <a:t>PIC16F175xx</a:t>
             </a:r>
             <a:endParaRPr lang="en-GB" dirty="0"/>
           </a:p>
@@ -13363,71 +14114,120 @@
         <p:spPr/>
         <p:txBody>
           <a:bodyPr>
-            <a:normAutofit fontScale="92500" lnSpcReduction="10000"/>
+            <a:normAutofit fontScale="92500"/>
           </a:bodyPr>
           <a:lstStyle/>
           <a:p>
             <a:r>
               <a:rPr lang="en-GB" dirty="0" smtClean="0"/>
-              <a:t>PIC18-Q24 is a high performance PIC18 </a:t>
+              <a:t>PIC16165xx  is a high performance PIC16</a:t>
             </a:r>
           </a:p>
           <a:p>
             <a:pPr lvl="1"/>
             <a:r>
+              <a:rPr lang="en-GB" b="1" dirty="0"/>
+              <a:t>Digital and </a:t>
+            </a:r>
+            <a:r>
+              <a:rPr lang="en-GB" b="1" dirty="0" err="1"/>
+              <a:t>analog</a:t>
+            </a:r>
+            <a:r>
+              <a:rPr lang="en-GB" b="1" dirty="0"/>
+              <a:t> peripherals</a:t>
+            </a:r>
+            <a:r>
+              <a:rPr lang="en-GB" dirty="0"/>
+              <a:t> for flexible embedded control</a:t>
+            </a:r>
+          </a:p>
+          <a:p>
+            <a:pPr lvl="1"/>
+            <a:r>
+              <a:rPr lang="en-GB" b="1" dirty="0"/>
+              <a:t>10-bit ADC</a:t>
+            </a:r>
+            <a:r>
+              <a:rPr lang="en-GB" dirty="0"/>
+              <a:t> for accurate </a:t>
+            </a:r>
+            <a:r>
+              <a:rPr lang="en-GB" dirty="0" err="1"/>
+              <a:t>analog</a:t>
+            </a:r>
+            <a:r>
+              <a:rPr lang="en-GB" dirty="0"/>
+              <a:t> signal conversion</a:t>
+            </a:r>
+          </a:p>
+          <a:p>
+            <a:pPr lvl="1"/>
+            <a:r>
+              <a:rPr lang="en-GB" b="1" dirty="0"/>
+              <a:t>Multiple communication interfaces</a:t>
+            </a:r>
+            <a:r>
+              <a:rPr lang="en-GB" dirty="0"/>
+              <a:t> including UART (serial), I²C, and SPI</a:t>
+            </a:r>
+          </a:p>
+          <a:p>
+            <a:pPr lvl="1"/>
+            <a:r>
+              <a:rPr lang="en-GB" b="1" dirty="0"/>
+              <a:t>PWM modules</a:t>
+            </a:r>
+            <a:r>
+              <a:rPr lang="en-GB" dirty="0"/>
+              <a:t> with CCP and 16-bit resolution for precise timing and motor control</a:t>
+            </a:r>
+          </a:p>
+          <a:p>
+            <a:pPr lvl="1"/>
+            <a:r>
+              <a:rPr lang="en-GB" b="1" dirty="0"/>
+              <a:t>Configurable Logic Cells (CLCs)</a:t>
+            </a:r>
+            <a:r>
+              <a:rPr lang="en-GB" dirty="0"/>
+              <a:t> for custom hardware-level logic without external components</a:t>
+            </a:r>
+          </a:p>
+          <a:p>
+            <a:pPr lvl="1"/>
+            <a:r>
+              <a:rPr lang="en-GB" b="1" dirty="0"/>
+              <a:t>Integrated op amps</a:t>
+            </a:r>
+            <a:r>
+              <a:rPr lang="en-GB" dirty="0"/>
+              <a:t> for </a:t>
+            </a:r>
+            <a:r>
+              <a:rPr lang="en-GB" dirty="0" err="1"/>
+              <a:t>onboard</a:t>
+            </a:r>
+            <a:r>
+              <a:rPr lang="en-GB" dirty="0"/>
+              <a:t> </a:t>
+            </a:r>
+            <a:r>
+              <a:rPr lang="en-GB" dirty="0" err="1"/>
+              <a:t>analog</a:t>
+            </a:r>
+            <a:r>
+              <a:rPr lang="en-GB" dirty="0"/>
+              <a:t> signal conditioning and amplification</a:t>
+            </a:r>
+          </a:p>
+          <a:p>
+            <a:endParaRPr lang="en-GB" dirty="0" smtClean="0"/>
+          </a:p>
+          <a:p>
+            <a:r>
               <a:rPr lang="en-GB" dirty="0" smtClean="0"/>
-              <a:t>Digital and Analog peripherals </a:t>
-            </a:r>
-          </a:p>
-          <a:p>
-            <a:pPr lvl="1"/>
-            <a:r>
-              <a:rPr lang="en-GB" dirty="0" smtClean="0"/>
-              <a:t>10-bit ADC</a:t>
-            </a:r>
-          </a:p>
-          <a:p>
-            <a:pPr lvl="1"/>
-            <a:r>
-              <a:rPr lang="en-GB" dirty="0" smtClean="0"/>
-              <a:t>Multiple communication interfaces</a:t>
-            </a:r>
-          </a:p>
-          <a:p>
-            <a:pPr lvl="2"/>
-            <a:r>
-              <a:rPr lang="en-GB" dirty="0" smtClean="0"/>
-              <a:t>Serial, I2C and  SPI </a:t>
-            </a:r>
-          </a:p>
-          <a:p>
-            <a:pPr lvl="2"/>
-            <a:r>
-              <a:rPr lang="en-GB" dirty="0" smtClean="0"/>
-              <a:t>PWM – CCP/PWM and 16Bit</a:t>
-            </a:r>
-          </a:p>
-          <a:p>
-            <a:pPr lvl="1"/>
-            <a:r>
-              <a:rPr lang="en-GB" dirty="0" smtClean="0"/>
-              <a:t>Configurable Logic Cells</a:t>
-            </a:r>
-          </a:p>
-          <a:p>
-            <a:pPr lvl="1"/>
-            <a:r>
-              <a:rPr lang="en-GB" dirty="0" smtClean="0"/>
-              <a:t>Multi voltage domains</a:t>
-            </a:r>
-          </a:p>
-          <a:p>
-            <a:endParaRPr lang="en-GB" dirty="0" smtClean="0"/>
-          </a:p>
-          <a:p>
-            <a:r>
-              <a:rPr lang="en-GB" dirty="0" smtClean="0"/>
-              <a:t>The PIC18xxQ24 offers 28, 40 and 48-pin products in small footprint packages to support customers in a wide variety of applications. </a:t>
+              <a:t>The PIC16175xx offers 14, 20, 28, 40 and 44-pin products in small footprint packages to support customers in a wide variety of applications. </a:t>
             </a:r>
           </a:p>
           <a:p>
@@ -13436,6 +14236,11 @@
         </p:txBody>
       </p:sp>
     </p:spTree>
+    <p:extLst>
+      <p:ext uri="{BB962C8B-B14F-4D97-AF65-F5344CB8AC3E}">
+        <p14:creationId xmlns:p14="http://schemas.microsoft.com/office/powerpoint/2010/main" val="1143364370"/>
+      </p:ext>
+    </p:extLst>
   </p:cSld>
   <p:clrMapOvr>
     <a:masterClrMapping/>
@@ -13724,7 +14529,23 @@
             </a:pPr>
             <a:r>
               <a:rPr lang="en-GB" sz="1100" dirty="0"/>
-              <a:t>Using PWM, 7  ways,  to dim the LEDS</a:t>
+              <a:t>Using </a:t>
+            </a:r>
+            <a:r>
+              <a:rPr lang="en-GB" sz="1100" dirty="0" smtClean="0"/>
+              <a:t>PWM</a:t>
+            </a:r>
+            <a:r>
+              <a:rPr lang="en-GB" sz="1100" dirty="0"/>
+              <a:t> </a:t>
+            </a:r>
+            <a:r>
+              <a:rPr lang="en-GB" sz="1100" dirty="0" smtClean="0"/>
+              <a:t>many </a:t>
+            </a:r>
+            <a:r>
+              <a:rPr lang="en-GB" sz="1100" dirty="0"/>
+              <a:t>ways,  to dim the LEDS</a:t>
             </a:r>
           </a:p>
           <a:p>
@@ -14032,7 +14853,7 @@
           <a:p>
             <a:r>
               <a:rPr lang="en-GB" dirty="0" smtClean="0"/>
-              <a:t>GCBASIC now supports the 18FxxQ24 chip family</a:t>
+              <a:t>GCBASIC now supports the 16F175xx chip family</a:t>
             </a:r>
             <a:endParaRPr lang="en-GB" dirty="0"/>
           </a:p>
@@ -14153,7 +14974,7 @@
             <a:pPr marL="778521" lvl="1" indent="-478483"/>
             <a:r>
               <a:rPr lang="en-GB" dirty="0" smtClean="0"/>
-              <a:t>Test that you have the 18FxxQ24 attached</a:t>
+              <a:t>Test that you have the 16F175xx attached</a:t>
             </a:r>
           </a:p>
           <a:p>
@@ -14195,9 +15016,14 @@
           <a:p>
             <a:pPr marL="778521" lvl="1" indent="-478483"/>
             <a:r>
-              <a:rPr lang="en-GB" dirty="0" smtClean="0"/>
-              <a:t>GLCD i2C device</a:t>
-            </a:r>
+              <a:rPr lang="en-GB" b="1" dirty="0" smtClean="0"/>
+              <a:t>GLCD i2C </a:t>
+            </a:r>
+            <a:r>
+              <a:rPr lang="en-GB" b="1" dirty="0" smtClean="0"/>
+              <a:t>device and i2c discovery has worked!</a:t>
+            </a:r>
+            <a:endParaRPr lang="en-GB" b="1" dirty="0" smtClean="0"/>
           </a:p>
         </p:txBody>
       </p:sp>
@@ -14482,8 +15308,8 @@
           </a:p>
           <a:p>
             <a:r>
-              <a:rPr lang="en-GB" dirty="0" smtClean="0"/>
-              <a:t>I2c device and circuit</a:t>
+              <a:rPr lang="en-GB" b="1" dirty="0" smtClean="0"/>
+              <a:t>GCLD Device</a:t>
             </a:r>
           </a:p>
           <a:p>
@@ -14493,14 +15319,14 @@
       </p:sp>
       <p:sp>
         <p:nvSpPr>
-          <p:cNvPr id="5" name="TextBox 4"/>
+          <p:cNvPr id="4" name="TextBox 3"/>
           <p:cNvSpPr txBox="1"/>
           <p:nvPr/>
         </p:nvSpPr>
         <p:spPr>
           <a:xfrm>
-            <a:off x="2843808" y="1295349"/>
-            <a:ext cx="4356653" cy="3508649"/>
+            <a:off x="2483768" y="1275606"/>
+            <a:ext cx="4320480" cy="3785652"/>
           </a:xfrm>
           <a:prstGeom prst="rect">
             <a:avLst/>
@@ -14510,200 +15336,237 @@
           </a:solidFill>
         </p:spPr>
         <p:txBody>
-          <a:bodyPr wrap="square" lIns="121917" tIns="60958" rIns="121917" bIns="60958" rtlCol="0">
+          <a:bodyPr wrap="square" rtlCol="0">
             <a:spAutoFit/>
           </a:bodyPr>
           <a:lstStyle/>
           <a:p>
             <a:r>
-              <a:rPr lang="en-GB" sz="1100" b="1" dirty="0">
+              <a:rPr lang="en-GB" sz="1200" b="1" dirty="0" smtClean="0">
                 <a:latin typeface="Courier New" panose="02070309020205020404" pitchFamily="49" charset="0"/>
                 <a:cs typeface="Courier New" panose="02070309020205020404" pitchFamily="49" charset="0"/>
               </a:rPr>
               <a:t>    Hardware</a:t>
             </a:r>
-          </a:p>
-          <a:p>
-            <a:r>
-              <a:rPr lang="en-GB" sz="1100" b="1" dirty="0">
-                <a:latin typeface="Courier New" panose="02070309020205020404" pitchFamily="49" charset="0"/>
-                <a:cs typeface="Courier New" panose="02070309020205020404" pitchFamily="49" charset="0"/>
-              </a:rPr>
-              <a:t>    -------------------PORTA----------------</a:t>
-            </a:r>
-          </a:p>
-          <a:p>
-            <a:r>
-              <a:rPr lang="en-GB" sz="1100" b="1" dirty="0">
-                <a:latin typeface="Courier New" panose="02070309020205020404" pitchFamily="49" charset="0"/>
-                <a:cs typeface="Courier New" panose="02070309020205020404" pitchFamily="49" charset="0"/>
-              </a:rPr>
-              <a:t>    Bit#:  -7---6---5---4---3---2---1---0---</a:t>
-            </a:r>
-          </a:p>
-          <a:p>
-            <a:r>
-              <a:rPr lang="en-GB" sz="1100" b="1" dirty="0">
-                <a:latin typeface="Courier New" panose="02070309020205020404" pitchFamily="49" charset="0"/>
-                <a:cs typeface="Courier New" panose="02070309020205020404" pitchFamily="49" charset="0"/>
-              </a:rPr>
-              <a:t>    IO:    ----------------SW----------ADC-- </a:t>
-            </a:r>
-          </a:p>
-          <a:p>
-            <a:r>
-              <a:rPr lang="en-GB" sz="1100" b="1" dirty="0">
-                <a:latin typeface="Courier New" panose="02070309020205020404" pitchFamily="49" charset="0"/>
-                <a:cs typeface="Courier New" panose="02070309020205020404" pitchFamily="49" charset="0"/>
-              </a:rPr>
-              <a:t>    ----------------------------------------</a:t>
-            </a:r>
-          </a:p>
-          <a:p>
-            <a:r>
-              <a:rPr lang="en-GB" sz="1100" b="1" dirty="0">
+            <a:r>
+              <a:rPr lang="en-GB" sz="1200" b="1" dirty="0">
                 <a:latin typeface="Courier New" panose="02070309020205020404" pitchFamily="49" charset="0"/>
                 <a:cs typeface="Courier New" panose="02070309020205020404" pitchFamily="49" charset="0"/>
               </a:rPr>
               <a:t/>
             </a:r>
             <a:br>
-              <a:rPr lang="en-GB" sz="1100" b="1" dirty="0">
+              <a:rPr lang="en-GB" sz="1200" b="1" dirty="0">
                 <a:latin typeface="Courier New" panose="02070309020205020404" pitchFamily="49" charset="0"/>
                 <a:cs typeface="Courier New" panose="02070309020205020404" pitchFamily="49" charset="0"/>
               </a:rPr>
             </a:br>
             <a:r>
-              <a:rPr lang="en-GB" sz="1100" b="1" dirty="0">
+              <a:rPr lang="en-GB" sz="1200" b="1" dirty="0">
                 <a:latin typeface="Courier New" panose="02070309020205020404" pitchFamily="49" charset="0"/>
                 <a:cs typeface="Courier New" panose="02070309020205020404" pitchFamily="49" charset="0"/>
               </a:rPr>
-              <a:t>    -------------------PORTB----------------</a:t>
-            </a:r>
-          </a:p>
-          <a:p>
-            <a:r>
-              <a:rPr lang="en-GB" sz="1100" b="1" dirty="0">
+              <a:t>// -------------------PORTA----------------</a:t>
+            </a:r>
+          </a:p>
+          <a:p>
+            <a:r>
+              <a:rPr lang="en-GB" sz="1200" b="1" dirty="0">
                 <a:latin typeface="Courier New" panose="02070309020205020404" pitchFamily="49" charset="0"/>
                 <a:cs typeface="Courier New" panose="02070309020205020404" pitchFamily="49" charset="0"/>
               </a:rPr>
-              <a:t>    Bit#:  -7---6---5---4---3---2---1---0---</a:t>
-            </a:r>
-          </a:p>
-          <a:p>
-            <a:r>
-              <a:rPr lang="en-GB" sz="1100" b="1" dirty="0">
+              <a:t>// Bit#:  -7---6---5---4---3---2---1---0---</a:t>
+            </a:r>
+          </a:p>
+          <a:p>
+            <a:r>
+              <a:rPr lang="en-GB" sz="1200" b="1" dirty="0">
                 <a:latin typeface="Courier New" panose="02070309020205020404" pitchFamily="49" charset="0"/>
                 <a:cs typeface="Courier New" panose="02070309020205020404" pitchFamily="49" charset="0"/>
               </a:rPr>
-              <a:t>    IO:    ----------------LED-LED-LED-LED--</a:t>
-            </a:r>
-          </a:p>
-          <a:p>
-            <a:r>
-              <a:rPr lang="en-GB" sz="1100" b="1" dirty="0">
+              <a:t>// IO:   -----------------SW----------ADC--</a:t>
+            </a:r>
+          </a:p>
+          <a:p>
+            <a:r>
+              <a:rPr lang="en-GB" sz="1200" b="1" dirty="0">
                 <a:latin typeface="Courier New" panose="02070309020205020404" pitchFamily="49" charset="0"/>
                 <a:cs typeface="Courier New" panose="02070309020205020404" pitchFamily="49" charset="0"/>
               </a:rPr>
-              <a:t>    ----------------------------------------</a:t>
-            </a:r>
-          </a:p>
-          <a:p>
-            <a:r>
-              <a:rPr lang="en-GB" sz="1100" b="1" dirty="0">
+              <a:t>// ----------------------------------------</a:t>
+            </a:r>
+          </a:p>
+          <a:p>
+            <a:endParaRPr lang="en-GB" sz="1200" b="1" dirty="0">
+              <a:latin typeface="Courier New" panose="02070309020205020404" pitchFamily="49" charset="0"/>
+              <a:cs typeface="Courier New" panose="02070309020205020404" pitchFamily="49" charset="0"/>
+            </a:endParaRPr>
+          </a:p>
+          <a:p>
+            <a:r>
+              <a:rPr lang="en-GB" sz="1200" b="1" dirty="0">
                 <a:latin typeface="Courier New" panose="02070309020205020404" pitchFamily="49" charset="0"/>
                 <a:cs typeface="Courier New" panose="02070309020205020404" pitchFamily="49" charset="0"/>
               </a:rPr>
-              <a:t>    </a:t>
-            </a:r>
-          </a:p>
-          <a:p>
-            <a:r>
-              <a:rPr lang="en-GB" sz="1100" b="1" dirty="0">
+              <a:t>// -------------------PORTB----------------</a:t>
+            </a:r>
+          </a:p>
+          <a:p>
+            <a:r>
+              <a:rPr lang="en-GB" sz="1200" b="1" dirty="0">
                 <a:latin typeface="Courier New" panose="02070309020205020404" pitchFamily="49" charset="0"/>
                 <a:cs typeface="Courier New" panose="02070309020205020404" pitchFamily="49" charset="0"/>
               </a:rPr>
-              <a:t>    ------------------PORTC-----------------</a:t>
-            </a:r>
-          </a:p>
-          <a:p>
-            <a:r>
-              <a:rPr lang="en-GB" sz="1100" b="1" dirty="0">
+              <a:t>// Bit#:  -7---6---5---4---3---2---1---0---</a:t>
+            </a:r>
+          </a:p>
+          <a:p>
+            <a:r>
+              <a:rPr lang="en-GB" sz="1200" b="1" dirty="0">
                 <a:latin typeface="Courier New" panose="02070309020205020404" pitchFamily="49" charset="0"/>
                 <a:cs typeface="Courier New" panose="02070309020205020404" pitchFamily="49" charset="0"/>
               </a:rPr>
-              <a:t>    Bit#:  -X---6---5---4---3---2---1---0---</a:t>
-            </a:r>
-          </a:p>
-          <a:p>
-            <a:r>
-              <a:rPr lang="en-GB" sz="1100" b="1" dirty="0">
+              <a:t>// IO:    ---------------------------------</a:t>
+            </a:r>
+          </a:p>
+          <a:p>
+            <a:r>
+              <a:rPr lang="en-GB" sz="1200" b="1" dirty="0">
                 <a:latin typeface="Courier New" panose="02070309020205020404" pitchFamily="49" charset="0"/>
                 <a:cs typeface="Courier New" panose="02070309020205020404" pitchFamily="49" charset="0"/>
               </a:rPr>
-              <a:t>    IO:    -^--TX------SCL-SDA--------------</a:t>
-            </a:r>
-          </a:p>
-          <a:p>
-            <a:r>
-              <a:rPr lang="en-GB" sz="1100" b="1" dirty="0">
+              <a:t>// ----------------------------------------</a:t>
+            </a:r>
+          </a:p>
+          <a:p>
+            <a:endParaRPr lang="en-GB" sz="1200" b="1" dirty="0">
+              <a:latin typeface="Courier New" panose="02070309020205020404" pitchFamily="49" charset="0"/>
+              <a:cs typeface="Courier New" panose="02070309020205020404" pitchFamily="49" charset="0"/>
+            </a:endParaRPr>
+          </a:p>
+          <a:p>
+            <a:r>
+              <a:rPr lang="en-GB" sz="1200" b="1" dirty="0">
                 <a:latin typeface="Courier New" panose="02070309020205020404" pitchFamily="49" charset="0"/>
                 <a:cs typeface="Courier New" panose="02070309020205020404" pitchFamily="49" charset="0"/>
               </a:rPr>
-              <a:t>    -----VDDIO2----------------------------- </a:t>
-            </a:r>
-          </a:p>
-          <a:p>
-            <a:r>
-              <a:rPr lang="en-GB" sz="1100" b="1" dirty="0">
+              <a:t>// </a:t>
+            </a:r>
+            <a:r>
+              <a:rPr lang="en-GB" sz="1200" b="1" dirty="0" smtClean="0">
                 <a:latin typeface="Courier New" panose="02070309020205020404" pitchFamily="49" charset="0"/>
                 <a:cs typeface="Courier New" panose="02070309020205020404" pitchFamily="49" charset="0"/>
               </a:rPr>
-              <a:t>    You must apply correct Voltage</a:t>
-            </a:r>
-          </a:p>
-          <a:p>
-            <a:r>
-              <a:rPr lang="en-GB" sz="1100" b="1" dirty="0">
+              <a:t>------------------</a:t>
+            </a:r>
+            <a:r>
+              <a:rPr lang="en-GB" sz="1200" b="1" dirty="0">
                 <a:latin typeface="Courier New" panose="02070309020205020404" pitchFamily="49" charset="0"/>
                 <a:cs typeface="Courier New" panose="02070309020205020404" pitchFamily="49" charset="0"/>
               </a:rPr>
-              <a:t>   </a:t>
-            </a:r>
-          </a:p>
-          <a:p>
-            <a:r>
-              <a:rPr lang="en-GB" sz="1100" b="1" dirty="0">
+              <a:t>PORTC-----------------</a:t>
+            </a:r>
+          </a:p>
+          <a:p>
+            <a:r>
+              <a:rPr lang="en-GB" sz="1200" b="1" dirty="0">
                 <a:latin typeface="Courier New" panose="02070309020205020404" pitchFamily="49" charset="0"/>
                 <a:cs typeface="Courier New" panose="02070309020205020404" pitchFamily="49" charset="0"/>
               </a:rPr>
-              <a:t>    ------------------PORTE-----------------</a:t>
-            </a:r>
-          </a:p>
-          <a:p>
-            <a:r>
-              <a:rPr lang="en-GB" sz="1100" b="1" dirty="0">
+              <a:t>// Bit#:  -7---6---5---4---3---2---1---0---</a:t>
+            </a:r>
+          </a:p>
+          <a:p>
+            <a:r>
+              <a:rPr lang="en-GB" sz="1200" b="1" dirty="0">
                 <a:latin typeface="Courier New" panose="02070309020205020404" pitchFamily="49" charset="0"/>
                 <a:cs typeface="Courier New" panose="02070309020205020404" pitchFamily="49" charset="0"/>
               </a:rPr>
-              <a:t>    Bit#:  -----------------3---------------</a:t>
-            </a:r>
-          </a:p>
-          <a:p>
-            <a:r>
-              <a:rPr lang="en-GB" sz="1100" b="1" dirty="0">
+              <a:t>// IO:    ----</a:t>
+            </a:r>
+            <a:r>
+              <a:rPr lang="en-GB" sz="1200" b="1" dirty="0" smtClean="0">
                 <a:latin typeface="Courier New" panose="02070309020205020404" pitchFamily="49" charset="0"/>
                 <a:cs typeface="Courier New" panose="02070309020205020404" pitchFamily="49" charset="0"/>
               </a:rPr>
-              <a:t>    IO:    ----------------SW---------------</a:t>
-            </a:r>
+              <a:t>TX1-SDA-SCL-LED-LED-LED-LED-</a:t>
+            </a:r>
+            <a:endParaRPr lang="en-GB" sz="1200" b="1" dirty="0">
+              <a:latin typeface="Courier New" panose="02070309020205020404" pitchFamily="49" charset="0"/>
+              <a:cs typeface="Courier New" panose="02070309020205020404" pitchFamily="49" charset="0"/>
+            </a:endParaRPr>
+          </a:p>
+          <a:p>
+            <a:r>
+              <a:rPr lang="en-GB" sz="1200" b="1" dirty="0">
+                <a:latin typeface="Courier New" panose="02070309020205020404" pitchFamily="49" charset="0"/>
+                <a:cs typeface="Courier New" panose="02070309020205020404" pitchFamily="49" charset="0"/>
+              </a:rPr>
+              <a:t>// ----------------------------------------</a:t>
+            </a:r>
+          </a:p>
+          <a:p>
+            <a:r>
+              <a:rPr lang="en-GB" sz="1200" b="1" dirty="0">
+                <a:latin typeface="Courier New" panose="02070309020205020404" pitchFamily="49" charset="0"/>
+                <a:cs typeface="Courier New" panose="02070309020205020404" pitchFamily="49" charset="0"/>
+              </a:rPr>
+              <a:t>//</a:t>
+            </a:r>
+          </a:p>
+          <a:p>
+            <a:r>
+              <a:rPr lang="en-GB" sz="1200" b="1" dirty="0">
+                <a:latin typeface="Courier New" panose="02070309020205020404" pitchFamily="49" charset="0"/>
+                <a:cs typeface="Courier New" panose="02070309020205020404" pitchFamily="49" charset="0"/>
+              </a:rPr>
+              <a:t>// ------------------PORTE-----------------</a:t>
+            </a:r>
+          </a:p>
+          <a:p>
+            <a:r>
+              <a:rPr lang="en-GB" sz="1200" b="1" dirty="0">
+                <a:latin typeface="Courier New" panose="02070309020205020404" pitchFamily="49" charset="0"/>
+                <a:cs typeface="Courier New" panose="02070309020205020404" pitchFamily="49" charset="0"/>
+              </a:rPr>
+              <a:t>// Bit#:  -7---6---5---4---3---2---1---0---</a:t>
+            </a:r>
+          </a:p>
+          <a:p>
+            <a:r>
+              <a:rPr lang="en-GB" sz="1200" b="1" dirty="0">
+                <a:latin typeface="Courier New" panose="02070309020205020404" pitchFamily="49" charset="0"/>
+                <a:cs typeface="Courier New" panose="02070309020205020404" pitchFamily="49" charset="0"/>
+              </a:rPr>
+              <a:t>// IO:    ----------------MCLR-------------</a:t>
+            </a:r>
+          </a:p>
+          <a:p>
+            <a:r>
+              <a:rPr lang="en-GB" sz="1200" b="1" dirty="0">
+                <a:latin typeface="Courier New" panose="02070309020205020404" pitchFamily="49" charset="0"/>
+                <a:cs typeface="Courier New" panose="02070309020205020404" pitchFamily="49" charset="0"/>
+              </a:rPr>
+              <a:t>// ------------------------SW-</a:t>
+            </a:r>
+            <a:r>
+              <a:rPr lang="en-GB" sz="1200" b="1" dirty="0" smtClean="0">
+                <a:latin typeface="Courier New" panose="02070309020205020404" pitchFamily="49" charset="0"/>
+                <a:cs typeface="Courier New" panose="02070309020205020404" pitchFamily="49" charset="0"/>
+              </a:rPr>
+              <a:t>-------------</a:t>
+            </a:r>
+            <a:endParaRPr lang="en-GB" sz="1200" b="1" dirty="0">
+              <a:latin typeface="Courier New" panose="02070309020205020404" pitchFamily="49" charset="0"/>
+              <a:cs typeface="Courier New" panose="02070309020205020404" pitchFamily="49" charset="0"/>
+            </a:endParaRPr>
           </a:p>
         </p:txBody>
       </p:sp>
     </p:spTree>
     <p:extLst>
       <p:ext uri="{BB962C8B-B14F-4D97-AF65-F5344CB8AC3E}">
-        <p14:creationId xmlns:p14="http://schemas.microsoft.com/office/powerpoint/2010/main" val="3213168251"/>
+        <p14:creationId xmlns:p14="http://schemas.microsoft.com/office/powerpoint/2010/main" val="1619318207"/>
       </p:ext>
     </p:extLst>
   </p:cSld>
